--- a/刘嘉琪 S320060060.pptx
+++ b/刘嘉琪 S320060060.pptx
@@ -244,7 +244,7 @@
           <a:p>
             <a:fld id="{2353A075-29DF-4CAE-8BA7-CDA0ED456C88}" type="datetimeFigureOut">
               <a:rPr lang="zh-CN" altLang="en-US" smtClean="0"/>
-              <a:t>2020/12/6</a:t>
+              <a:t>2020/12/8</a:t>
             </a:fld>
             <a:endParaRPr lang="zh-CN" altLang="en-US"/>
           </a:p>
@@ -409,7 +409,7 @@
           <a:p>
             <a:fld id="{6A2B73EA-EE91-4E33-A9C1-8BF5DD7139A2}" type="datetimeFigureOut">
               <a:rPr lang="zh-CN" altLang="en-US" smtClean="0"/>
-              <a:t>2020/12/6</a:t>
+              <a:t>2020/12/8</a:t>
             </a:fld>
             <a:endParaRPr lang="zh-CN" altLang="en-US"/>
           </a:p>
@@ -2283,7 +2283,7 @@
           <a:p>
             <a:fld id="{530820CF-B880-4189-942D-D702A7CBA730}" type="datetimeFigureOut">
               <a:rPr lang="zh-CN" altLang="en-US" smtClean="0"/>
-              <a:t>2020/12/6</a:t>
+              <a:t>2020/12/8</a:t>
             </a:fld>
             <a:endParaRPr lang="zh-CN" altLang="en-US"/>
           </a:p>
@@ -2553,7 +2553,7 @@
           <a:p>
             <a:fld id="{530820CF-B880-4189-942D-D702A7CBA730}" type="datetimeFigureOut">
               <a:rPr lang="zh-CN" altLang="en-US" smtClean="0"/>
-              <a:t>2020/12/6</a:t>
+              <a:t>2020/12/8</a:t>
             </a:fld>
             <a:endParaRPr lang="zh-CN" altLang="en-US"/>
           </a:p>
@@ -2800,7 +2800,7 @@
           <a:p>
             <a:fld id="{530820CF-B880-4189-942D-D702A7CBA730}" type="datetimeFigureOut">
               <a:rPr lang="zh-CN" altLang="en-US" smtClean="0"/>
-              <a:t>2020/12/6</a:t>
+              <a:t>2020/12/8</a:t>
             </a:fld>
             <a:endParaRPr lang="zh-CN" altLang="en-US"/>
           </a:p>
@@ -2963,7 +2963,7 @@
           <a:p>
             <a:fld id="{530820CF-B880-4189-942D-D702A7CBA730}" type="datetimeFigureOut">
               <a:rPr lang="zh-CN" altLang="en-US" smtClean="0"/>
-              <a:t>2020/12/6</a:t>
+              <a:t>2020/12/8</a:t>
             </a:fld>
             <a:endParaRPr lang="zh-CN" altLang="en-US"/>
           </a:p>
@@ -3136,7 +3136,7 @@
           <a:p>
             <a:fld id="{530820CF-B880-4189-942D-D702A7CBA730}" type="datetimeFigureOut">
               <a:rPr lang="zh-CN" altLang="en-US" smtClean="0"/>
-              <a:t>2020/12/6</a:t>
+              <a:t>2020/12/8</a:t>
             </a:fld>
             <a:endParaRPr lang="zh-CN" altLang="en-US"/>
           </a:p>
@@ -3972,7 +3972,7 @@
           <a:p>
             <a:fld id="{530820CF-B880-4189-942D-D702A7CBA730}" type="datetimeFigureOut">
               <a:rPr lang="zh-CN" altLang="en-US" smtClean="0"/>
-              <a:t>2020/12/6</a:t>
+              <a:t>2020/12/8</a:t>
             </a:fld>
             <a:endParaRPr lang="zh-CN" altLang="en-US"/>
           </a:p>
@@ -4252,7 +4252,7 @@
           <a:p>
             <a:fld id="{530820CF-B880-4189-942D-D702A7CBA730}" type="datetimeFigureOut">
               <a:rPr lang="zh-CN" altLang="en-US" smtClean="0"/>
-              <a:t>2020/12/6</a:t>
+              <a:t>2020/12/8</a:t>
             </a:fld>
             <a:endParaRPr lang="zh-CN" altLang="en-US"/>
           </a:p>
@@ -4666,7 +4666,7 @@
           <a:p>
             <a:fld id="{530820CF-B880-4189-942D-D702A7CBA730}" type="datetimeFigureOut">
               <a:rPr lang="zh-CN" altLang="en-US" smtClean="0"/>
-              <a:t>2020/12/6</a:t>
+              <a:t>2020/12/8</a:t>
             </a:fld>
             <a:endParaRPr lang="zh-CN" altLang="en-US"/>
           </a:p>
@@ -4778,7 +4778,7 @@
           <a:p>
             <a:fld id="{530820CF-B880-4189-942D-D702A7CBA730}" type="datetimeFigureOut">
               <a:rPr lang="zh-CN" altLang="en-US" smtClean="0"/>
-              <a:t>2020/12/6</a:t>
+              <a:t>2020/12/8</a:t>
             </a:fld>
             <a:endParaRPr lang="zh-CN" altLang="en-US"/>
           </a:p>
@@ -4868,7 +4868,7 @@
           <a:p>
             <a:fld id="{530820CF-B880-4189-942D-D702A7CBA730}" type="datetimeFigureOut">
               <a:rPr lang="zh-CN" altLang="en-US" smtClean="0"/>
-              <a:t>2020/12/6</a:t>
+              <a:t>2020/12/8</a:t>
             </a:fld>
             <a:endParaRPr lang="zh-CN" altLang="en-US"/>
           </a:p>
@@ -5110,7 +5110,7 @@
           <a:p>
             <a:fld id="{530820CF-B880-4189-942D-D702A7CBA730}" type="datetimeFigureOut">
               <a:rPr lang="zh-CN" altLang="en-US" smtClean="0"/>
-              <a:t>2020/12/6</a:t>
+              <a:t>2020/12/8</a:t>
             </a:fld>
             <a:endParaRPr lang="zh-CN" altLang="en-US"/>
           </a:p>
@@ -6736,7 +6736,7 @@
                 <a:effectLst/>
                 <a:latin typeface="-apple-system"/>
               </a:rPr>
-              <a:t>Bbneck</a:t>
+              <a:t>bneck</a:t>
             </a:r>
             <a:r>
               <a:rPr lang="zh-CN" altLang="en-US" sz="2000" b="0" i="0" dirty="0">
@@ -6746,27 +6746,7 @@
                 <a:effectLst/>
                 <a:latin typeface="-apple-system"/>
               </a:rPr>
-              <a:t>的通道数逐渐增多，最终在经过全局的均值池化和一个</a:t>
-            </a:r>
-            <a:r>
-              <a:rPr lang="en-US" altLang="zh-CN" sz="2000" b="0" i="0" dirty="0">
-                <a:solidFill>
-                  <a:srgbClr val="4D4D4D"/>
-                </a:solidFill>
-                <a:effectLst/>
-                <a:latin typeface="-apple-system"/>
-              </a:rPr>
-              <a:t>conv</a:t>
-            </a:r>
-            <a:r>
-              <a:rPr lang="zh-CN" altLang="en-US" sz="2000" b="0" i="0" dirty="0">
-                <a:solidFill>
-                  <a:srgbClr val="4D4D4D"/>
-                </a:solidFill>
-                <a:effectLst/>
-                <a:latin typeface="-apple-system"/>
-              </a:rPr>
-              <a:t>层映射到</a:t>
+              <a:t>的通道数逐渐增多，最终在经过全局的均值池化和一个卷积层层映射到</a:t>
             </a:r>
             <a:r>
               <a:rPr lang="en-US" altLang="zh-CN" sz="2000" b="0" i="0" dirty="0">
@@ -10951,7 +10931,7 @@
         <p:spPr>
           <a:xfrm>
             <a:off x="1173771" y="1295871"/>
-            <a:ext cx="9505056" cy="1891287"/>
+            <a:ext cx="9505056" cy="1886286"/>
           </a:xfrm>
           <a:prstGeom prst="rect">
             <a:avLst/>
@@ -10977,47 +10957,7 @@
                 <a:effectLst/>
                 <a:latin typeface="-apple-system"/>
               </a:rPr>
-              <a:t>本文首先进行了一个小实验来比较原图与生成的</a:t>
-            </a:r>
-            <a:r>
-              <a:rPr lang="en-US" altLang="zh-CN" sz="2000" b="0" i="0" dirty="0">
-                <a:solidFill>
-                  <a:srgbClr val="4D4D4D"/>
-                </a:solidFill>
-                <a:effectLst/>
-                <a:latin typeface="-apple-system"/>
-              </a:rPr>
-              <a:t>ghost feature map</a:t>
-            </a:r>
-            <a:r>
-              <a:rPr lang="zh-CN" altLang="en-US" sz="2000" b="0" i="0" dirty="0">
-                <a:solidFill>
-                  <a:srgbClr val="4D4D4D"/>
-                </a:solidFill>
-                <a:effectLst/>
-                <a:latin typeface="-apple-system"/>
-              </a:rPr>
-              <a:t>之间的重建误差。将每一组左侧的</a:t>
-            </a:r>
-            <a:r>
-              <a:rPr lang="en-US" altLang="zh-CN" sz="2000" b="0" i="0" dirty="0" err="1">
-                <a:solidFill>
-                  <a:srgbClr val="4D4D4D"/>
-                </a:solidFill>
-                <a:effectLst/>
-                <a:latin typeface="-apple-system"/>
-              </a:rPr>
-              <a:t>featuremap</a:t>
-            </a:r>
-            <a:r>
-              <a:rPr lang="zh-CN" altLang="en-US" sz="2000" b="0" i="0" dirty="0">
-                <a:solidFill>
-                  <a:srgbClr val="4D4D4D"/>
-                </a:solidFill>
-                <a:effectLst/>
-                <a:latin typeface="-apple-system"/>
-              </a:rPr>
-              <a:t>作为输入，对其做线性变换。实验测试了不同的卷积核对</a:t>
+              <a:t>本文首先进行了一个小实验来比较原图与生成的本文的特征图之间的重建误差。将每一组左侧的特征图作为输入，对其做线性变换。实验测试了不同的卷积核对</a:t>
             </a:r>
             <a:r>
               <a:rPr lang="en-US" altLang="zh-CN" sz="2000" b="0" i="0" dirty="0">
@@ -11304,27 +11244,7 @@
                 <a:effectLst/>
                 <a:latin typeface="-apple-system"/>
               </a:rPr>
-              <a:t>作为基本框架，将其中所有的</a:t>
-            </a:r>
-            <a:r>
-              <a:rPr lang="en-US" altLang="zh-CN" sz="2000" b="0" dirty="0">
-                <a:solidFill>
-                  <a:srgbClr val="4D4D4D"/>
-                </a:solidFill>
-                <a:effectLst/>
-                <a:latin typeface="-apple-system"/>
-              </a:rPr>
-              <a:t>conv layer</a:t>
-            </a:r>
-            <a:r>
-              <a:rPr lang="zh-CN" altLang="en-US" sz="2000" b="0" dirty="0">
-                <a:solidFill>
-                  <a:srgbClr val="4D4D4D"/>
-                </a:solidFill>
-                <a:effectLst/>
-                <a:latin typeface="-apple-system"/>
-              </a:rPr>
-              <a:t>替换成</a:t>
+              <a:t>作为基本框架，将其中所有的卷积层替换成</a:t>
             </a:r>
             <a:r>
               <a:rPr lang="en-US" altLang="zh-CN" sz="2000" b="0" dirty="0" err="1">
@@ -11381,14 +11301,13 @@
               <a:t>（决定</a:t>
             </a:r>
             <a:r>
-              <a:rPr lang="en-US" altLang="zh-CN" sz="2000" b="0" dirty="0">
+              <a:rPr lang="zh-CN" altLang="en-US" sz="2000" dirty="0">
                 <a:solidFill>
                   <a:srgbClr val="4D4D4D"/>
                 </a:solidFill>
-                <a:effectLst/>
                 <a:latin typeface="-apple-system"/>
               </a:rPr>
-              <a:t> feature map</a:t>
+              <a:t>特征图</a:t>
             </a:r>
             <a:r>
               <a:rPr lang="zh-CN" altLang="en-US" sz="2000" b="0" dirty="0">
@@ -11521,7 +11440,17 @@
                 <a:effectLst/>
                 <a:latin typeface="-apple-system"/>
               </a:rPr>
-              <a:t>则会导致过拟合以及增加计算开销。。固定</a:t>
+              <a:t>则会导致过拟合以及增加计算</a:t>
+            </a:r>
+            <a:r>
+              <a:rPr lang="zh-CN" altLang="en-US" sz="2000" b="0">
+                <a:solidFill>
+                  <a:srgbClr val="4D4D4D"/>
+                </a:solidFill>
+                <a:effectLst/>
+                <a:latin typeface="-apple-system"/>
+              </a:rPr>
+              <a:t>开销。固定</a:t>
             </a:r>
             <a:r>
               <a:rPr lang="en-US" altLang="zh-CN" sz="2000" b="0" dirty="0">
@@ -11561,7 +11490,7 @@
                 <a:effectLst/>
                 <a:latin typeface="-apple-system"/>
               </a:rPr>
-              <a:t>对分类效果的影响。</a:t>
+              <a:t>对分类效果的影响，</a:t>
             </a:r>
             <a:r>
               <a:rPr lang="en-US" altLang="zh-CN" sz="2000" b="0" dirty="0">
@@ -25311,7 +25240,7 @@
         <p:spPr>
           <a:xfrm>
             <a:off x="1173771" y="1295871"/>
-            <a:ext cx="9505056" cy="3732945"/>
+            <a:ext cx="9505056" cy="3271280"/>
           </a:xfrm>
           <a:prstGeom prst="rect">
             <a:avLst/>
@@ -25385,53 +25314,14 @@
                 </a:solidFill>
                 <a:latin typeface="Optima-Regular"/>
               </a:rPr>
-              <a:t>）使用的是常规的</a:t>
+              <a:t>）使用的常规的过滤器</a:t>
             </a:r>
-            <a:r>
-              <a:rPr lang="en-US" altLang="zh-CN" sz="2000" dirty="0">
-                <a:solidFill>
-                  <a:srgbClr val="000000"/>
-                </a:solidFill>
-                <a:latin typeface="Optima-Regular"/>
-              </a:rPr>
-              <a:t>filter size</a:t>
-            </a:r>
-            <a:r>
-              <a:rPr lang="zh-CN" altLang="en-US" sz="2000" dirty="0">
-                <a:solidFill>
-                  <a:srgbClr val="000000"/>
-                </a:solidFill>
-                <a:latin typeface="Optima-Regular"/>
-              </a:rPr>
-              <a:t>而不是</a:t>
-            </a:r>
-            <a:r>
-              <a:rPr lang="en-US" altLang="zh-CN" sz="2000" dirty="0">
-                <a:solidFill>
-                  <a:srgbClr val="000000"/>
-                </a:solidFill>
-                <a:latin typeface="Optima-Regular"/>
-              </a:rPr>
-              <a:t>11 </a:t>
-            </a:r>
-            <a:r>
-              <a:rPr lang="zh-CN" altLang="en-US" sz="2000" dirty="0">
-                <a:solidFill>
-                  <a:srgbClr val="000000"/>
-                </a:solidFill>
-                <a:latin typeface="Optima-Regular"/>
-              </a:rPr>
-              <a:t>的</a:t>
-            </a:r>
-            <a:r>
-              <a:rPr lang="en-US" altLang="zh-CN" sz="2000" dirty="0">
-                <a:solidFill>
-                  <a:srgbClr val="000000"/>
-                </a:solidFill>
-                <a:latin typeface="Optima-Regular"/>
-              </a:rPr>
-              <a:t>pointwise conv</a:t>
-            </a:r>
+            <a:endParaRPr lang="en-US" altLang="zh-CN" sz="2000" dirty="0">
+              <a:solidFill>
+                <a:srgbClr val="000000"/>
+              </a:solidFill>
+              <a:latin typeface="Optima-Regular"/>
+            </a:endParaRPr>
           </a:p>
           <a:p>
             <a:pPr algn="l">
@@ -25464,43 +25354,8 @@
                 </a:solidFill>
                 <a:latin typeface="Optima-Regular"/>
               </a:rPr>
-              <a:t>）与常规使用通道压缩获得空间激活以及空间池化获得通道激活的方式不同，本文是通过对</a:t>
+              <a:t>）与常规使用通道压缩获得空间激活以及空间池化获得通道激活的方式不同，本文是通过对原始特征进行线性操作后得到特征图</a:t>
             </a:r>
-            <a:r>
-              <a:rPr lang="en-US" altLang="zh-CN" sz="2000" dirty="0">
-                <a:solidFill>
-                  <a:srgbClr val="000000"/>
-                </a:solidFill>
-                <a:latin typeface="Optima-Regular"/>
-              </a:rPr>
-              <a:t>intrinsic feature</a:t>
-            </a:r>
-            <a:r>
-              <a:rPr lang="zh-CN" altLang="en-US" sz="2000" dirty="0">
-                <a:solidFill>
-                  <a:srgbClr val="000000"/>
-                </a:solidFill>
-                <a:latin typeface="Optima-Regular"/>
-              </a:rPr>
-              <a:t>进行线性操作后得到</a:t>
-            </a:r>
-            <a:r>
-              <a:rPr lang="en-US" altLang="zh-CN" sz="2000" dirty="0">
-                <a:solidFill>
-                  <a:srgbClr val="000000"/>
-                </a:solidFill>
-                <a:latin typeface="Optima-Regular"/>
-              </a:rPr>
-              <a:t>feature maps</a:t>
-            </a:r>
-            <a:br>
-              <a:rPr lang="en-US" altLang="zh-CN" sz="2000" dirty="0">
-                <a:solidFill>
-                  <a:srgbClr val="000000"/>
-                </a:solidFill>
-                <a:latin typeface="Optima-Regular"/>
-              </a:rPr>
-            </a:br>
             <a:endParaRPr lang="en-US" altLang="zh-CN" sz="2000" dirty="0">
               <a:solidFill>
                 <a:srgbClr val="000000"/>
@@ -25552,25 +25407,7 @@
                 </a:solidFill>
                 <a:latin typeface="Optima-Regular"/>
               </a:rPr>
-              <a:t>与常规卷积层产生同样数目的</a:t>
-            </a:r>
-            <a:r>
-              <a:rPr lang="en-US" altLang="zh-CN" sz="2000" dirty="0">
-                <a:solidFill>
-                  <a:srgbClr val="000000"/>
-                </a:solidFill>
-                <a:latin typeface="Optima-Regular"/>
-              </a:rPr>
-              <a:t>feature map</a:t>
-            </a:r>
-            <a:r>
-              <a:rPr lang="zh-CN" altLang="en-US" sz="2000" dirty="0">
-                <a:solidFill>
-                  <a:srgbClr val="000000"/>
-                </a:solidFill>
-                <a:latin typeface="Optima-Regular"/>
-              </a:rPr>
-              <a:t>，因此</a:t>
+              <a:t>与常规卷积层产生同样数目的特征图，因此</a:t>
             </a:r>
             <a:r>
               <a:rPr lang="en-US" altLang="zh-CN" sz="2000" dirty="0">
